--- a/03_Tableaux/tableaux.pptx
+++ b/03_Tableaux/tableaux.pptx
@@ -3669,7 +3669,19 @@
             </a:r>
             <a:r>
               <a:rPr lang="fr-FR" dirty="0"/>
-              <a:t>[20] = "Chaîne de caractères";                    </a:t>
+              <a:t>[</a:t>
+            </a:r>
+            <a:r>
+              <a:rPr lang="fr-FR" dirty="0">
+                <a:solidFill>
+                  <a:srgbClr val="FF0000"/>
+                </a:solidFill>
+              </a:rPr>
+              <a:t>21</a:t>
+            </a:r>
+            <a:r>
+              <a:rPr lang="fr-FR" dirty="0"/>
+              <a:t>] = "Chaîne de caractères";                    </a:t>
             </a:r>
             <a:r>
               <a:rPr lang="fr-FR" dirty="0">
